--- a/slides/Matrix Protocol - SlideDeck.pptx
+++ b/slides/Matrix Protocol - SlideDeck.pptx
@@ -290,7 +290,7 @@
       </p15:sldGuideLst>
     </p:ext>
     <p:ext uri="http://customooxmlschemas.google.com/">
-      <go:slidesCustomData xmlns:go="http://customooxmlschemas.google.com/" xmlns:ahyp="http://schemas.microsoft.com/office/drawing/2018/hyperlinkcolor" xmlns:p15="http://schemas.microsoft.com/office/powerpoint/2012/main" xmlns:p14="http://schemas.microsoft.com/office/powerpoint/2010/main" xmlns:com="http://schemas.openxmlformats.org/drawingml/2006/compatibility" xmlns:pvml="urn:schemas-microsoft-com:office:powerpoint" xmlns:v="urn:schemas-microsoft-com:vml" xmlns:o="urn:schemas-microsoft-com:office:office" xmlns:dgm="http://schemas.openxmlformats.org/drawingml/2006/diagram" xmlns:c="http://schemas.openxmlformats.org/drawingml/2006/chart" xmlns:mv="urn:schemas-microsoft-com:mac:vml" xmlns:mc="http://schemas.openxmlformats.org/markup-compatibility/2006" xmlns="" r:id="rId30" roundtripDataSignature="AMtx7mgcosIi/AYWrveVqIRoy8Hm7viSSA=="/>
+      <go:slidesCustomData xmlns="" xmlns:mc="http://schemas.openxmlformats.org/markup-compatibility/2006" xmlns:mv="urn:schemas-microsoft-com:mac:vml" xmlns:c="http://schemas.openxmlformats.org/drawingml/2006/chart" xmlns:dgm="http://schemas.openxmlformats.org/drawingml/2006/diagram" xmlns:o="urn:schemas-microsoft-com:office:office" xmlns:v="urn:schemas-microsoft-com:vml" xmlns:pvml="urn:schemas-microsoft-com:office:powerpoint" xmlns:com="http://schemas.openxmlformats.org/drawingml/2006/compatibility" xmlns:p14="http://schemas.microsoft.com/office/powerpoint/2010/main" xmlns:p15="http://schemas.microsoft.com/office/powerpoint/2012/main" xmlns:ahyp="http://schemas.microsoft.com/office/drawing/2018/hyperlinkcolor" xmlns:go="http://customooxmlschemas.google.com/" r:id="rId30" roundtripDataSignature="AMtx7mgcosIi/AYWrveVqIRoy8Hm7viSSA=="/>
     </p:ext>
   </p:extLst>
 </p:presentation>
@@ -305,23 +305,6 @@
 
 <file path=ppt/comments/comment1.xml><?xml version="1.0" encoding="utf-8"?>
 <p:cmLst xmlns:a="http://schemas.openxmlformats.org/drawingml/2006/main" xmlns:r="http://schemas.openxmlformats.org/officeDocument/2006/relationships" xmlns:p="http://schemas.openxmlformats.org/presentationml/2006/main">
-  <p:cm authorId="0" dt="2022-01-15T03:25:36.989" idx="1">
-    <p:pos x="496" y="189"/>
-    <p:text>"whitelisted" might trigger the crypto maxis. We should consider using a different term for this.</p:text>
-    <p:extLst>
-      <p:ext uri="{C676402C-5697-4E1C-873F-D02D1690AC5C}">
-        <p15:threadingInfo xmlns:p15="http://schemas.microsoft.com/office/powerpoint/2012/main" timeZoneBias="0"/>
-      </p:ext>
-      <p:ext uri="http://customooxmlschemas.google.com/">
-        <go:slidesCustomData xmlns:go="http://customooxmlschemas.google.com/" xmlns:ahyp="http://schemas.microsoft.com/office/drawing/2018/hyperlinkcolor" xmlns:p15="http://schemas.microsoft.com/office/powerpoint/2012/main" xmlns:p14="http://schemas.microsoft.com/office/powerpoint/2010/main" xmlns:com="http://schemas.openxmlformats.org/drawingml/2006/compatibility" xmlns:pvml="urn:schemas-microsoft-com:office:powerpoint" xmlns:v="urn:schemas-microsoft-com:vml" xmlns:o="urn:schemas-microsoft-com:office:office" xmlns:dgm="http://schemas.openxmlformats.org/drawingml/2006/diagram" xmlns:c="http://schemas.openxmlformats.org/drawingml/2006/chart" xmlns:mv="urn:schemas-microsoft-com:mac:vml" xmlns:mc="http://schemas.openxmlformats.org/markup-compatibility/2006" xmlns="" commentPostId="AAAAUNnbomI"/>
-      </p:ext>
-    </p:extLst>
-  </p:cm>
-</p:cmLst>
-</file>
-
-<file path=ppt/comments/comment2.xml><?xml version="1.0" encoding="utf-8"?>
-<p:cmLst xmlns:a="http://schemas.openxmlformats.org/drawingml/2006/main" xmlns:r="http://schemas.openxmlformats.org/officeDocument/2006/relationships" xmlns:p="http://schemas.openxmlformats.org/presentationml/2006/main">
   <p:cm authorId="1" dt="2022-01-08T21:09:19.524" idx="1">
     <p:pos x="6000" y="0"/>
     <p:text>@sankha80@gmail.com Here's my take on the tokenomic. Tell me what you think and if we need to have more details.
@@ -331,7 +314,7 @@
         <p15:threadingInfo xmlns:p15="http://schemas.microsoft.com/office/powerpoint/2012/main" timeZoneBias="0"/>
       </p:ext>
       <p:ext uri="http://customooxmlschemas.google.com/">
-        <go:slidesCustomData xmlns:go="http://customooxmlschemas.google.com/" xmlns:ahyp="http://schemas.microsoft.com/office/drawing/2018/hyperlinkcolor" xmlns:p15="http://schemas.microsoft.com/office/powerpoint/2012/main" xmlns:p14="http://schemas.microsoft.com/office/powerpoint/2010/main" xmlns:com="http://schemas.openxmlformats.org/drawingml/2006/compatibility" xmlns:pvml="urn:schemas-microsoft-com:office:powerpoint" xmlns:v="urn:schemas-microsoft-com:vml" xmlns:o="urn:schemas-microsoft-com:office:office" xmlns:dgm="http://schemas.openxmlformats.org/drawingml/2006/diagram" xmlns:c="http://schemas.openxmlformats.org/drawingml/2006/chart" xmlns:mv="urn:schemas-microsoft-com:mac:vml" xmlns:mc="http://schemas.openxmlformats.org/markup-compatibility/2006" xmlns="" commentPostId="AAAAUNnbomE"/>
+        <go:slidesCustomData xmlns="" xmlns:mc="http://schemas.openxmlformats.org/markup-compatibility/2006" xmlns:mv="urn:schemas-microsoft-com:mac:vml" xmlns:c="http://schemas.openxmlformats.org/drawingml/2006/chart" xmlns:dgm="http://schemas.openxmlformats.org/drawingml/2006/diagram" xmlns:o="urn:schemas-microsoft-com:office:office" xmlns:v="urn:schemas-microsoft-com:vml" xmlns:pvml="urn:schemas-microsoft-com:office:powerpoint" xmlns:com="http://schemas.openxmlformats.org/drawingml/2006/compatibility" xmlns:p14="http://schemas.microsoft.com/office/powerpoint/2010/main" xmlns:p15="http://schemas.microsoft.com/office/powerpoint/2012/main" xmlns:ahyp="http://schemas.microsoft.com/office/drawing/2018/hyperlinkcolor" xmlns:go="http://customooxmlschemas.google.com/" commentPostId="AAAAUNnbomE"/>
       </p:ext>
     </p:extLst>
   </p:cm>
@@ -1190,7 +1173,7 @@
         </p:nvSpPr>
         <p:spPr>
           <a:xfrm>
-            <a:off x="381300" y="685800"/>
+            <a:off x="381000" y="685800"/>
             <a:ext cx="6096000" cy="3429000"/>
           </a:xfrm>
           <a:custGeom>
@@ -19003,10 +18986,10 @@
               <a:buNone/>
             </a:pPr>
             <a:r>
-              <a:rPr lang="fr" sz="4200"/>
-              <a:t>Matrix Protocol: NEO</a:t>
+              <a:rPr lang="fr" sz="4200" dirty="0"/>
+              <a:t>Matrix Protocol</a:t>
             </a:r>
-            <a:endParaRPr sz="3300"/>
+            <a:endParaRPr sz="3300" dirty="0"/>
           </a:p>
         </p:txBody>
       </p:sp>
@@ -19108,7 +19091,7 @@
             <a:avLst/>
           </a:prstGeom>
           <a:solidFill>
-            <a:srgbClr val="0053A3"/>
+            <a:srgbClr val="263238"/>
           </a:solidFill>
           <a:ln w="9525" cap="flat" cmpd="sng">
             <a:solidFill>
@@ -19216,7 +19199,7 @@
                 <a:cs typeface="Roboto Slab"/>
                 <a:sym typeface="Roboto Slab"/>
               </a:rPr>
-              <a:t>vNEO</a:t>
+              <a:t>MTRX</a:t>
             </a:r>
             <a:r>
               <a:rPr lang="fr" dirty="0">
@@ -19276,7 +19259,7 @@
                 <a:cs typeface="Helvetica Neue"/>
                 <a:sym typeface="Helvetica Neue"/>
               </a:rPr>
-              <a:t>The neo protocol plans to distribute 40% of its supply through liquidity mining over 10 years on Osmosis. </a:t>
+              <a:t>The Matrix protocol plans to distribute 40% of its supply through liquidity mining over 10 years. </a:t>
             </a:r>
             <a:endParaRPr sz="1100" dirty="0">
               <a:latin typeface="Helvetica Neue"/>
@@ -19327,7 +19310,7 @@
                 <a:cs typeface="Helvetica Neue"/>
                 <a:sym typeface="Helvetica Neue"/>
               </a:rPr>
-              <a:t>The initial design will be done off-chains by multisig held by the Core team. Governance will be able to change these parameters and remove the multisig if the community prefers to do it.</a:t>
+              <a:t>The initial design will be done off-chain by multisig held by the Core team. Governance will be able to change these parameters and remove the multisig if the community prefers to do it.</a:t>
             </a:r>
             <a:endParaRPr sz="1100" dirty="0">
               <a:latin typeface="Helvetica Neue"/>
@@ -19614,8 +19597,8 @@
         </p:nvGrpSpPr>
         <p:grpSpPr>
           <a:xfrm>
-            <a:off x="-585078" y="375087"/>
-            <a:ext cx="10601439" cy="4151588"/>
+            <a:off x="-550481" y="617975"/>
+            <a:ext cx="10244961" cy="3907550"/>
             <a:chOff x="-585078" y="375087"/>
             <a:chExt cx="10601439" cy="4151588"/>
           </a:xfrm>
@@ -19867,7 +19850,7 @@
             <a:avLst/>
           </a:prstGeom>
           <a:solidFill>
-            <a:srgbClr val="0053A3"/>
+            <a:srgbClr val="263238"/>
           </a:solidFill>
           <a:ln w="9525" cap="flat" cmpd="sng">
             <a:solidFill>
@@ -19959,14 +19942,14 @@
         </p:nvSpPr>
         <p:spPr>
           <a:xfrm>
-            <a:off x="-17517" y="125"/>
+            <a:off x="0" y="0"/>
             <a:ext cx="3456900" cy="5143500"/>
           </a:xfrm>
           <a:prstGeom prst="rect">
             <a:avLst/>
           </a:prstGeom>
           <a:solidFill>
-            <a:srgbClr val="0053A3"/>
+            <a:srgbClr val="263238"/>
           </a:solidFill>
           <a:ln w="9525" cap="flat" cmpd="sng">
             <a:solidFill>
@@ -20773,7 +20756,7 @@
                 <a:buNone/>
               </a:pPr>
               <a:r>
-                <a:rPr lang="fr" sz="1500" b="1" i="0" u="none" strike="noStrike" cap="none">
+                <a:rPr lang="fr" sz="1500" b="1" i="0" u="none" strike="noStrike" cap="none" dirty="0">
                   <a:solidFill>
                     <a:schemeClr val="accent1"/>
                   </a:solidFill>
@@ -20784,7 +20767,7 @@
                 </a:rPr>
                 <a:t>3 groups working together</a:t>
               </a:r>
-              <a:endParaRPr sz="1500" b="1" i="0" u="none" strike="noStrike" cap="none">
+              <a:endParaRPr sz="1500" b="1" i="0" u="none" strike="noStrike" cap="none" dirty="0">
                 <a:solidFill>
                   <a:schemeClr val="accent1"/>
                 </a:solidFill>
@@ -20813,7 +20796,7 @@
                 <a:buNone/>
               </a:pPr>
               <a:r>
-                <a:rPr lang="fr" sz="1100" b="0" i="0" u="none" strike="noStrike" cap="none">
+                <a:rPr lang="fr" sz="1100" b="0" i="0" u="none" strike="noStrike" cap="none" dirty="0">
                   <a:solidFill>
                     <a:srgbClr val="434343"/>
                   </a:solidFill>
@@ -20825,7 +20808,7 @@
                 <a:t>    </a:t>
               </a:r>
               <a:r>
-                <a:rPr lang="fr" sz="1100" b="0" i="0" u="sng" strike="noStrike" cap="none">
+                <a:rPr lang="fr" sz="1100" b="0" i="0" u="sng" strike="noStrike" cap="none" dirty="0">
                   <a:solidFill>
                     <a:srgbClr val="434343"/>
                   </a:solidFill>
@@ -20837,7 +20820,7 @@
                 <a:t>Stable seekers</a:t>
               </a:r>
               <a:r>
-                <a:rPr lang="fr" sz="1100" b="0" i="0" u="none" strike="noStrike" cap="none">
+                <a:rPr lang="fr" sz="1100" b="0" i="0" u="none" strike="noStrike" cap="none" dirty="0">
                   <a:solidFill>
                     <a:srgbClr val="434343"/>
                   </a:solidFill>
@@ -20849,7 +20832,7 @@
                 <a:t> use the stable assets </a:t>
               </a:r>
               <a:br>
-                <a:rPr lang="fr" sz="1100" b="0" i="0" u="none" strike="noStrike" cap="none">
+                <a:rPr lang="fr" sz="1100" b="0" i="0" u="none" strike="noStrike" cap="none" dirty="0">
                   <a:solidFill>
                     <a:srgbClr val="434343"/>
                   </a:solidFill>
@@ -20860,7 +20843,7 @@
                 </a:rPr>
               </a:br>
               <a:r>
-                <a:rPr lang="fr" sz="1100" b="0" i="0" u="none" strike="noStrike" cap="none">
+                <a:rPr lang="fr" sz="1100" b="0" i="0" u="none" strike="noStrike" cap="none" dirty="0">
                   <a:solidFill>
                     <a:srgbClr val="434343"/>
                   </a:solidFill>
@@ -20872,7 +20855,7 @@
                 <a:t>    </a:t>
               </a:r>
               <a:r>
-                <a:rPr lang="fr" sz="1100" b="0" i="0" u="sng" strike="noStrike" cap="none">
+                <a:rPr lang="fr" sz="1100" b="0" i="0" u="sng" strike="noStrike" cap="none" dirty="0">
                   <a:solidFill>
                     <a:srgbClr val="434343"/>
                   </a:solidFill>
@@ -20884,7 +20867,7 @@
                 <a:t>Liquidity Agents</a:t>
               </a:r>
               <a:r>
-                <a:rPr lang="fr" sz="1100" b="0" i="0" u="none" strike="noStrike" cap="none">
+                <a:rPr lang="fr" sz="1100" b="0" i="0" u="none" strike="noStrike" cap="none" dirty="0">
                   <a:solidFill>
                     <a:srgbClr val="434343"/>
                   </a:solidFill>
@@ -20896,7 +20879,7 @@
                 <a:t> buy perpetual futures on those funds</a:t>
               </a:r>
               <a:br>
-                <a:rPr lang="fr" sz="1100" b="0" i="0" u="none" strike="noStrike" cap="none">
+                <a:rPr lang="fr" sz="1100" b="0" i="0" u="none" strike="noStrike" cap="none" dirty="0">
                   <a:solidFill>
                     <a:srgbClr val="434343"/>
                   </a:solidFill>
@@ -20907,7 +20890,7 @@
                 </a:rPr>
               </a:br>
               <a:r>
-                <a:rPr lang="fr" sz="1100" b="0" i="0" u="none" strike="noStrike" cap="none">
+                <a:rPr lang="fr" sz="1100" b="0" i="0" u="none" strike="noStrike" cap="none" dirty="0">
                   <a:solidFill>
                     <a:srgbClr val="434343"/>
                   </a:solidFill>
@@ -20919,7 +20902,7 @@
                 <a:t>    </a:t>
               </a:r>
               <a:r>
-                <a:rPr lang="fr" sz="1100" b="0" i="0" u="sng" strike="noStrike" cap="none">
+                <a:rPr lang="fr" sz="1100" b="0" i="0" u="sng" strike="noStrike" cap="none" dirty="0">
                   <a:solidFill>
                     <a:srgbClr val="434343"/>
                   </a:solidFill>
@@ -20931,7 +20914,7 @@
                 <a:t>Insurance Agents</a:t>
               </a:r>
               <a:r>
-                <a:rPr lang="fr" sz="1100" b="0" i="0" u="none" strike="noStrike" cap="none">
+                <a:rPr lang="fr" sz="1100" b="0" i="0" u="none" strike="noStrike" cap="none" dirty="0">
                   <a:solidFill>
                     <a:srgbClr val="434343"/>
                   </a:solidFill>
@@ -20942,7 +20925,7 @@
                 </a:rPr>
                 <a:t> balance the protocol</a:t>
               </a:r>
-              <a:endParaRPr sz="1100" b="0" i="0" u="none" strike="noStrike" cap="none">
+              <a:endParaRPr sz="1100" b="0" i="0" u="none" strike="noStrike" cap="none" dirty="0">
                 <a:solidFill>
                   <a:srgbClr val="434343"/>
                 </a:solidFill>
@@ -21134,7 +21117,7 @@
               <a:buNone/>
             </a:pPr>
             <a:r>
-              <a:rPr lang="fr" sz="1000">
+              <a:rPr lang="fr" sz="1000" dirty="0">
                 <a:solidFill>
                   <a:schemeClr val="lt1"/>
                 </a:solidFill>
@@ -21145,7 +21128,7 @@
               </a:rPr>
               <a:t>Matrix Protocol enables swaps between speculative assets and collateral at oracle value. The volatility of the collateral in the reserves is hedged using perpetual futures. </a:t>
             </a:r>
-            <a:endParaRPr sz="1000">
+            <a:endParaRPr sz="1000" dirty="0">
               <a:solidFill>
                 <a:schemeClr val="lt1"/>
               </a:solidFill>
@@ -21173,7 +21156,7 @@
               <a:buFont typeface="Arial"/>
               <a:buNone/>
             </a:pPr>
-            <a:endParaRPr sz="1000">
+            <a:endParaRPr sz="1000" dirty="0">
               <a:solidFill>
                 <a:schemeClr val="lt1"/>
               </a:solidFill>
@@ -21198,7 +21181,7 @@
               <a:buNone/>
             </a:pPr>
             <a:r>
-              <a:rPr lang="fr" sz="1000">
+              <a:rPr lang="fr" sz="1000" dirty="0">
                 <a:solidFill>
                   <a:schemeClr val="lt1"/>
                 </a:solidFill>
@@ -21209,7 +21192,7 @@
               </a:rPr>
               <a:t>Like most decentralized stablecoin protocols, Matrix aims for over-collateralization to keep the trust in the protocol and sustain convertibility. The solution proposed by Matrix to get over-collateralized is to resort to Liquidity Providers (LPs)1, that is extra agents that bring collateral to the protocol and help it manage its risk. </a:t>
             </a:r>
-            <a:endParaRPr sz="1000">
+            <a:endParaRPr sz="1000" dirty="0">
               <a:solidFill>
                 <a:schemeClr val="lt1"/>
               </a:solidFill>
@@ -21317,7 +21300,7 @@
         <p:spPr>
           <a:xfrm>
             <a:off x="787950" y="300600"/>
-            <a:ext cx="7568100" cy="2154900"/>
+            <a:ext cx="7568100" cy="492412"/>
           </a:xfrm>
           <a:prstGeom prst="rect">
             <a:avLst/>
@@ -21360,7 +21343,7 @@
                 <a:cs typeface="Roboto Slab"/>
                 <a:sym typeface="Roboto Slab"/>
               </a:rPr>
-              <a:t>Matrix is launching an ATOM and OSMO collateral-backed stablecoin, </a:t>
+              <a:t>Matrix is launching a collateral-backed stablecoin, </a:t>
             </a:r>
             <a:r>
               <a:rPr lang="fr" sz="2000" b="1" i="0" u="none" strike="noStrike" cap="none" dirty="0">
@@ -21372,7 +21355,7 @@
                 <a:cs typeface="Roboto Slab"/>
                 <a:sym typeface="Roboto Slab"/>
               </a:rPr>
-              <a:t>NEO</a:t>
+              <a:t>USDM</a:t>
             </a:r>
             <a:r>
               <a:rPr lang="fr" sz="2000" b="1" i="0" u="none" strike="noStrike" cap="none" dirty="0">
@@ -21396,142 +21379,6 @@
               <a:sym typeface="Roboto Slab"/>
             </a:endParaRPr>
           </a:p>
-          <a:p>
-            <a:pPr marL="0" marR="0" lvl="0" indent="0" algn="just" rtl="0">
-              <a:lnSpc>
-                <a:spcPct val="100000"/>
-              </a:lnSpc>
-              <a:spcBef>
-                <a:spcPts val="0"/>
-              </a:spcBef>
-              <a:spcAft>
-                <a:spcPts val="0"/>
-              </a:spcAft>
-              <a:buClr>
-                <a:srgbClr val="000000"/>
-              </a:buClr>
-              <a:buSzPts val="1200"/>
-              <a:buFont typeface="Arial"/>
-              <a:buNone/>
-            </a:pPr>
-            <a:endParaRPr sz="1200" b="1" i="0" u="none" strike="noStrike" cap="none" dirty="0">
-              <a:solidFill>
-                <a:schemeClr val="lt1"/>
-              </a:solidFill>
-              <a:latin typeface="Roboto Slab"/>
-              <a:ea typeface="Roboto Slab"/>
-              <a:cs typeface="Roboto Slab"/>
-              <a:sym typeface="Roboto Slab"/>
-            </a:endParaRPr>
-          </a:p>
-          <a:p>
-            <a:pPr marL="0" marR="0" lvl="0" indent="0" algn="just" rtl="0">
-              <a:lnSpc>
-                <a:spcPct val="100000"/>
-              </a:lnSpc>
-              <a:spcBef>
-                <a:spcPts val="0"/>
-              </a:spcBef>
-              <a:spcAft>
-                <a:spcPts val="0"/>
-              </a:spcAft>
-              <a:buClr>
-                <a:srgbClr val="000000"/>
-              </a:buClr>
-              <a:buSzPts val="2000"/>
-              <a:buFont typeface="Arial"/>
-              <a:buNone/>
-            </a:pPr>
-            <a:r>
-              <a:rPr lang="fr" sz="2000" b="1" i="0" u="none" strike="noStrike" cap="none" dirty="0">
-                <a:solidFill>
-                  <a:schemeClr val="lt1"/>
-                </a:solidFill>
-                <a:latin typeface="Roboto Slab"/>
-                <a:ea typeface="Roboto Slab"/>
-                <a:cs typeface="Roboto Slab"/>
-                <a:sym typeface="Roboto Slab"/>
-              </a:rPr>
-              <a:t>Soon after, other forms of collateral will be whitelisted for use with NEO.</a:t>
-            </a:r>
-            <a:endParaRPr sz="2000" b="1" i="0" u="none" strike="noStrike" cap="none" dirty="0">
-              <a:solidFill>
-                <a:schemeClr val="lt1"/>
-              </a:solidFill>
-              <a:latin typeface="Roboto Slab"/>
-              <a:ea typeface="Roboto Slab"/>
-              <a:cs typeface="Roboto Slab"/>
-              <a:sym typeface="Roboto Slab"/>
-            </a:endParaRPr>
-          </a:p>
-          <a:p>
-            <a:pPr marL="0" marR="0" lvl="0" indent="0" algn="just" rtl="0">
-              <a:lnSpc>
-                <a:spcPct val="100000"/>
-              </a:lnSpc>
-              <a:spcBef>
-                <a:spcPts val="0"/>
-              </a:spcBef>
-              <a:spcAft>
-                <a:spcPts val="0"/>
-              </a:spcAft>
-              <a:buClr>
-                <a:srgbClr val="000000"/>
-              </a:buClr>
-              <a:buSzPts val="1200"/>
-              <a:buFont typeface="Arial"/>
-              <a:buNone/>
-            </a:pPr>
-            <a:endParaRPr sz="1200" b="1" i="0" u="none" strike="noStrike" cap="none" dirty="0">
-              <a:solidFill>
-                <a:schemeClr val="lt1"/>
-              </a:solidFill>
-              <a:latin typeface="Helvetica Neue"/>
-              <a:ea typeface="Helvetica Neue"/>
-              <a:cs typeface="Helvetica Neue"/>
-              <a:sym typeface="Helvetica Neue"/>
-            </a:endParaRPr>
-          </a:p>
-          <a:p>
-            <a:pPr marL="0" marR="0" lvl="0" indent="0" algn="just" rtl="0">
-              <a:lnSpc>
-                <a:spcPct val="100000"/>
-              </a:lnSpc>
-              <a:spcBef>
-                <a:spcPts val="0"/>
-              </a:spcBef>
-              <a:spcAft>
-                <a:spcPts val="0"/>
-              </a:spcAft>
-              <a:buClr>
-                <a:srgbClr val="000000"/>
-              </a:buClr>
-              <a:buSzPts val="1200"/>
-              <a:buFont typeface="Arial"/>
-              <a:buNone/>
-            </a:pPr>
-            <a:r>
-              <a:rPr lang="fr" sz="1200" b="0" i="0" u="none" strike="noStrike" cap="none" dirty="0">
-                <a:solidFill>
-                  <a:schemeClr val="lt1"/>
-                </a:solidFill>
-                <a:latin typeface="Source Sans Pro"/>
-                <a:ea typeface="Source Sans Pro"/>
-                <a:cs typeface="Source Sans Pro"/>
-                <a:sym typeface="Source Sans Pro"/>
-              </a:rPr>
-              <a:t>Matrix enables users to swap between collateral and stablecoins at oracle value with small fees. When the user wants to sell a stablecoin, the protocol will burn the swapped coin when received.</a:t>
-            </a:r>
-            <a:endParaRPr sz="1200" b="0" i="0" u="none" strike="noStrike" cap="none" dirty="0">
-              <a:solidFill>
-                <a:schemeClr val="lt1"/>
-              </a:solidFill>
-              <a:latin typeface="Source Sans Pro"/>
-              <a:ea typeface="Source Sans Pro"/>
-              <a:cs typeface="Source Sans Pro"/>
-              <a:sym typeface="Source Sans Pro"/>
-            </a:endParaRPr>
-          </a:p>
         </p:txBody>
       </p:sp>
       <p:grpSp>
@@ -21543,9 +21390,9 @@
         <p:grpSpPr>
           <a:xfrm>
             <a:off x="999024" y="2650501"/>
-            <a:ext cx="7358990" cy="2237602"/>
+            <a:ext cx="7358989" cy="2296727"/>
             <a:chOff x="999024" y="2650501"/>
-            <a:chExt cx="7358990" cy="2237602"/>
+            <a:chExt cx="7358989" cy="2296727"/>
           </a:xfrm>
         </p:grpSpPr>
         <p:grpSp>
@@ -21678,9 +21525,9 @@
           <p:grpSpPr>
             <a:xfrm>
               <a:off x="999024" y="2975639"/>
-              <a:ext cx="1337163" cy="1804764"/>
+              <a:ext cx="1337163" cy="1835421"/>
               <a:chOff x="335968" y="3002074"/>
-              <a:chExt cx="1337163" cy="1804764"/>
+              <a:chExt cx="1337163" cy="1835421"/>
             </a:xfrm>
           </p:grpSpPr>
           <p:sp>
@@ -21692,7 +21539,7 @@
             <p:spPr>
               <a:xfrm>
                 <a:off x="500564" y="4406638"/>
-                <a:ext cx="918000" cy="400200"/>
+                <a:ext cx="918000" cy="430857"/>
               </a:xfrm>
               <a:prstGeom prst="rect">
                 <a:avLst/>
@@ -21726,7 +21573,7 @@
                   <a:buNone/>
                 </a:pPr>
                 <a:r>
-                  <a:rPr lang="fr" sz="1400" b="1" i="0" u="none" strike="noStrike" cap="none">
+                  <a:rPr lang="fr" sz="1600" b="1" i="0" u="none" strike="noStrike" cap="none" dirty="0">
                     <a:solidFill>
                       <a:srgbClr val="263238"/>
                     </a:solidFill>
@@ -21737,7 +21584,7 @@
                   </a:rPr>
                   <a:t>User</a:t>
                 </a:r>
-                <a:endParaRPr sz="1400" b="0" i="0" u="none" strike="noStrike" cap="none">
+                <a:endParaRPr sz="1600" b="0" i="0" u="none" strike="noStrike" cap="none" dirty="0">
                   <a:solidFill>
                     <a:srgbClr val="263238"/>
                   </a:solidFill>
@@ -21811,10 +21658,10 @@
           </p:nvGrpSpPr>
           <p:grpSpPr>
             <a:xfrm>
-              <a:off x="7118226" y="2650501"/>
-              <a:ext cx="1026750" cy="1426950"/>
-              <a:chOff x="4058625" y="3381425"/>
-              <a:chExt cx="1026750" cy="1426950"/>
+              <a:off x="6927521" y="2650501"/>
+              <a:ext cx="1408085" cy="1451890"/>
+              <a:chOff x="3867920" y="3381425"/>
+              <a:chExt cx="1408085" cy="1451890"/>
             </a:xfrm>
           </p:grpSpPr>
           <p:pic>
@@ -21852,8 +21699,8 @@
             </p:nvSpPr>
             <p:spPr>
               <a:xfrm>
-                <a:off x="4113000" y="4408175"/>
-                <a:ext cx="918000" cy="400200"/>
+                <a:off x="3867920" y="4402458"/>
+                <a:ext cx="1408085" cy="430857"/>
               </a:xfrm>
               <a:prstGeom prst="rect">
                 <a:avLst/>
@@ -21887,7 +21734,7 @@
                   <a:buNone/>
                 </a:pPr>
                 <a:r>
-                  <a:rPr lang="fr" sz="1400" b="1" i="0" u="none" strike="noStrike" cap="none">
+                  <a:rPr lang="fr" sz="1600" b="1" dirty="0">
                     <a:solidFill>
                       <a:srgbClr val="263238"/>
                     </a:solidFill>
@@ -21896,9 +21743,9 @@
                     <a:cs typeface="Roboto Slab"/>
                     <a:sym typeface="Roboto Slab"/>
                   </a:rPr>
-                  <a:t>Oracle</a:t>
+                  <a:t>Price Feed</a:t>
                 </a:r>
-                <a:endParaRPr sz="1400" b="0" i="0" u="none" strike="noStrike" cap="none">
+                <a:endParaRPr sz="1600" b="0" i="0" u="none" strike="noStrike" cap="none" dirty="0">
                   <a:solidFill>
                     <a:srgbClr val="263238"/>
                   </a:solidFill>
@@ -21919,10 +21766,10 @@
           </p:nvGrpSpPr>
           <p:grpSpPr>
             <a:xfrm>
-              <a:off x="4675211" y="3170851"/>
-              <a:ext cx="1035220" cy="1717252"/>
-              <a:chOff x="4012155" y="3197286"/>
-              <a:chExt cx="1035220" cy="1717252"/>
+              <a:off x="4563997" y="3170851"/>
+              <a:ext cx="1266825" cy="1776377"/>
+              <a:chOff x="3900941" y="3197286"/>
+              <a:chExt cx="1266825" cy="1776377"/>
             </a:xfrm>
           </p:grpSpPr>
           <p:sp>
@@ -21933,8 +21780,8 @@
             </p:nvSpPr>
             <p:spPr>
               <a:xfrm>
-                <a:off x="4113000" y="4298938"/>
-                <a:ext cx="918000" cy="615600"/>
+                <a:off x="3900941" y="4296585"/>
+                <a:ext cx="1266825" cy="677078"/>
               </a:xfrm>
               <a:prstGeom prst="rect">
                 <a:avLst/>
@@ -21968,7 +21815,7 @@
                   <a:buNone/>
                 </a:pPr>
                 <a:r>
-                  <a:rPr lang="fr" sz="1400" b="1" i="0" u="none" strike="noStrike" cap="none">
+                  <a:rPr lang="fr" sz="1600" b="1" i="0" u="none" strike="noStrike" cap="none" dirty="0">
                     <a:solidFill>
                       <a:srgbClr val="263238"/>
                     </a:solidFill>
@@ -21979,7 +21826,7 @@
                   </a:rPr>
                   <a:t>Matrix Protocol</a:t>
                 </a:r>
-                <a:endParaRPr sz="1400" b="0" i="0" u="none" strike="noStrike" cap="none">
+                <a:endParaRPr sz="1600" b="0" i="0" u="none" strike="noStrike" cap="none" dirty="0">
                   <a:solidFill>
                     <a:srgbClr val="263238"/>
                   </a:solidFill>
@@ -22081,7 +21928,7 @@
           </p:nvSpPr>
           <p:spPr>
             <a:xfrm>
-              <a:off x="6905114" y="3978810"/>
+              <a:off x="6905113" y="4010753"/>
               <a:ext cx="1452900" cy="738900"/>
             </a:xfrm>
             <a:prstGeom prst="rect">
@@ -22116,7 +21963,7 @@
                 <a:buNone/>
               </a:pPr>
               <a:r>
-                <a:rPr lang="fr" sz="900" b="1" i="0" u="none" strike="noStrike" cap="none">
+                <a:rPr lang="fr" sz="900" b="1" i="0" u="none" strike="noStrike" cap="none" dirty="0">
                   <a:solidFill>
                     <a:srgbClr val="263238"/>
                   </a:solidFill>
@@ -22125,9 +21972,33 @@
                   <a:cs typeface="Roboto Slab"/>
                   <a:sym typeface="Roboto Slab"/>
                 </a:rPr>
-                <a:t>Chainlink Oracle or AMM price specifies the amount of NEO to mint. </a:t>
+                <a:t>Chainlink Oracle </a:t>
               </a:r>
-              <a:endParaRPr sz="900" b="0" i="0" u="none" strike="noStrike" cap="none">
+              <a:r>
+                <a:rPr lang="fr" sz="900" b="1" dirty="0">
+                  <a:solidFill>
+                    <a:srgbClr val="263238"/>
+                  </a:solidFill>
+                  <a:latin typeface="Roboto Slab"/>
+                  <a:ea typeface="Roboto Slab"/>
+                  <a:cs typeface="Roboto Slab"/>
+                  <a:sym typeface="Roboto Slab"/>
+                </a:rPr>
+                <a:t>and</a:t>
+              </a:r>
+              <a:r>
+                <a:rPr lang="fr" sz="900" b="1" i="0" u="none" strike="noStrike" cap="none" dirty="0">
+                  <a:solidFill>
+                    <a:srgbClr val="263238"/>
+                  </a:solidFill>
+                  <a:latin typeface="Roboto Slab"/>
+                  <a:ea typeface="Roboto Slab"/>
+                  <a:cs typeface="Roboto Slab"/>
+                  <a:sym typeface="Roboto Slab"/>
+                </a:rPr>
+                <a:t> AMM prices specify the amount of USDM to mint. </a:t>
+              </a:r>
+              <a:endParaRPr sz="900" b="0" i="0" u="none" strike="noStrike" cap="none" dirty="0">
                 <a:solidFill>
                   <a:srgbClr val="263238"/>
                 </a:solidFill>
@@ -22182,7 +22053,7 @@
                 <a:buNone/>
               </a:pPr>
               <a:r>
-                <a:rPr lang="fr" sz="900" b="1" i="0" u="none" strike="noStrike" cap="none">
+                <a:rPr lang="fr" sz="900" b="1" i="0" u="none" strike="noStrike" cap="none" dirty="0">
                   <a:solidFill>
                     <a:srgbClr val="263238"/>
                   </a:solidFill>
@@ -22191,9 +22062,9 @@
                   <a:cs typeface="Roboto Slab"/>
                   <a:sym typeface="Roboto Slab"/>
                 </a:rPr>
-                <a:t>User swaps whitelisted collateral with NEO</a:t>
+                <a:t>User swaps whitelisted collateral with USDM</a:t>
               </a:r>
-              <a:endParaRPr sz="900" b="0" i="0" u="none" strike="noStrike" cap="none">
+              <a:endParaRPr sz="900" b="0" i="0" u="none" strike="noStrike" cap="none" dirty="0">
                 <a:solidFill>
                   <a:srgbClr val="263238"/>
                 </a:solidFill>
@@ -22206,6 +22077,414 @@
           </p:txBody>
         </p:sp>
       </p:grpSp>
+      <p:sp>
+        <p:nvSpPr>
+          <p:cNvPr id="24" name="Google Shape;158;p3">
+            <a:extLst>
+              <a:ext uri="{FF2B5EF4-FFF2-40B4-BE49-F238E27FC236}">
+                <a16:creationId xmlns:a16="http://schemas.microsoft.com/office/drawing/2014/main" id="{A5130612-5E09-41A4-8D53-DAF730805813}"/>
+              </a:ext>
+            </a:extLst>
+          </p:cNvPr>
+          <p:cNvSpPr txBox="1"/>
+          <p:nvPr/>
+        </p:nvSpPr>
+        <p:spPr>
+          <a:xfrm>
+            <a:off x="787950" y="813183"/>
+            <a:ext cx="3604877" cy="1107965"/>
+          </a:xfrm>
+          <a:prstGeom prst="rect">
+            <a:avLst/>
+          </a:prstGeom>
+          <a:noFill/>
+          <a:ln>
+            <a:noFill/>
+          </a:ln>
+        </p:spPr>
+        <p:txBody>
+          <a:bodyPr spcFirstLastPara="1" wrap="square" lIns="91425" tIns="91425" rIns="91425" bIns="91425" anchor="t" anchorCtr="0">
+            <a:spAutoFit/>
+          </a:bodyPr>
+          <a:lstStyle/>
+          <a:p>
+            <a:pPr marL="0" marR="0" lvl="0" indent="0" rtl="0">
+              <a:lnSpc>
+                <a:spcPct val="100000"/>
+              </a:lnSpc>
+              <a:spcBef>
+                <a:spcPts val="0"/>
+              </a:spcBef>
+              <a:spcAft>
+                <a:spcPts val="0"/>
+              </a:spcAft>
+              <a:buClr>
+                <a:srgbClr val="000000"/>
+              </a:buClr>
+              <a:buSzPts val="1200"/>
+              <a:buFont typeface="Arial"/>
+              <a:buNone/>
+            </a:pPr>
+            <a:r>
+              <a:rPr lang="fr" sz="1200" b="0" i="0" u="none" strike="noStrike" cap="none" dirty="0">
+                <a:solidFill>
+                  <a:schemeClr val="lt1"/>
+                </a:solidFill>
+                <a:latin typeface="Source Sans Pro"/>
+                <a:ea typeface="Source Sans Pro"/>
+                <a:cs typeface="Source Sans Pro"/>
+                <a:sym typeface="Source Sans Pro"/>
+              </a:rPr>
+              <a:t>Matrix enables users to swap between collateral and stablecoins at oracle value with small fees. </a:t>
+            </a:r>
+          </a:p>
+          <a:p>
+            <a:pPr marL="0" marR="0" lvl="0" indent="0" rtl="0">
+              <a:lnSpc>
+                <a:spcPct val="100000"/>
+              </a:lnSpc>
+              <a:spcBef>
+                <a:spcPts val="0"/>
+              </a:spcBef>
+              <a:spcAft>
+                <a:spcPts val="0"/>
+              </a:spcAft>
+              <a:buClr>
+                <a:srgbClr val="000000"/>
+              </a:buClr>
+              <a:buSzPts val="1200"/>
+              <a:buFont typeface="Arial"/>
+              <a:buNone/>
+            </a:pPr>
+            <a:endParaRPr lang="fr" sz="1200" dirty="0">
+              <a:solidFill>
+                <a:schemeClr val="lt1"/>
+              </a:solidFill>
+              <a:latin typeface="Source Sans Pro"/>
+              <a:ea typeface="Source Sans Pro"/>
+              <a:cs typeface="Source Sans Pro"/>
+              <a:sym typeface="Source Sans Pro"/>
+            </a:endParaRPr>
+          </a:p>
+          <a:p>
+            <a:pPr marL="0" marR="0" lvl="0" indent="0" rtl="0">
+              <a:lnSpc>
+                <a:spcPct val="100000"/>
+              </a:lnSpc>
+              <a:spcBef>
+                <a:spcPts val="0"/>
+              </a:spcBef>
+              <a:spcAft>
+                <a:spcPts val="0"/>
+              </a:spcAft>
+              <a:buClr>
+                <a:srgbClr val="000000"/>
+              </a:buClr>
+              <a:buSzPts val="1200"/>
+              <a:buFont typeface="Arial"/>
+              <a:buNone/>
+            </a:pPr>
+            <a:r>
+              <a:rPr lang="fr" sz="1200" dirty="0">
+                <a:solidFill>
+                  <a:schemeClr val="lt1"/>
+                </a:solidFill>
+                <a:latin typeface="Source Sans Pro"/>
+                <a:ea typeface="Source Sans Pro"/>
+                <a:cs typeface="Source Sans Pro"/>
+                <a:sym typeface="Source Sans Pro"/>
+              </a:rPr>
+              <a:t>From a user perspective, swaps can occur on trading pairs like ATOM:USDM and OSMO:USDM.</a:t>
+            </a:r>
+            <a:r>
+              <a:rPr lang="fr" sz="1200" b="0" i="0" u="none" strike="noStrike" cap="none" dirty="0">
+                <a:solidFill>
+                  <a:schemeClr val="lt1"/>
+                </a:solidFill>
+                <a:latin typeface="Source Sans Pro"/>
+                <a:ea typeface="Source Sans Pro"/>
+                <a:cs typeface="Source Sans Pro"/>
+                <a:sym typeface="Source Sans Pro"/>
+              </a:rPr>
+              <a:t> </a:t>
+            </a:r>
+            <a:endParaRPr sz="1200" b="0" i="0" u="none" strike="noStrike" cap="none" dirty="0">
+              <a:solidFill>
+                <a:schemeClr val="lt1"/>
+              </a:solidFill>
+              <a:latin typeface="Source Sans Pro"/>
+              <a:ea typeface="Source Sans Pro"/>
+              <a:cs typeface="Source Sans Pro"/>
+              <a:sym typeface="Source Sans Pro"/>
+            </a:endParaRPr>
+          </a:p>
+        </p:txBody>
+      </p:sp>
+      <p:sp>
+        <p:nvSpPr>
+          <p:cNvPr id="25" name="Google Shape;158;p3">
+            <a:extLst>
+              <a:ext uri="{FF2B5EF4-FFF2-40B4-BE49-F238E27FC236}">
+                <a16:creationId xmlns:a16="http://schemas.microsoft.com/office/drawing/2014/main" id="{9076F7BF-4F26-47FE-B63B-8DF81ABC4442}"/>
+              </a:ext>
+            </a:extLst>
+          </p:cNvPr>
+          <p:cNvSpPr txBox="1"/>
+          <p:nvPr/>
+        </p:nvSpPr>
+        <p:spPr>
+          <a:xfrm>
+            <a:off x="4454611" y="811392"/>
+            <a:ext cx="3690365" cy="1477297"/>
+          </a:xfrm>
+          <a:prstGeom prst="rect">
+            <a:avLst/>
+          </a:prstGeom>
+          <a:noFill/>
+          <a:ln>
+            <a:noFill/>
+          </a:ln>
+        </p:spPr>
+        <p:txBody>
+          <a:bodyPr spcFirstLastPara="1" wrap="square" lIns="91425" tIns="91425" rIns="91425" bIns="91425" anchor="t" anchorCtr="0">
+            <a:spAutoFit/>
+          </a:bodyPr>
+          <a:lstStyle/>
+          <a:p>
+            <a:pPr marL="0" marR="0" lvl="0" indent="0" rtl="0">
+              <a:lnSpc>
+                <a:spcPct val="100000"/>
+              </a:lnSpc>
+              <a:spcBef>
+                <a:spcPts val="0"/>
+              </a:spcBef>
+              <a:spcAft>
+                <a:spcPts val="0"/>
+              </a:spcAft>
+              <a:buClr>
+                <a:srgbClr val="000000"/>
+              </a:buClr>
+              <a:buSzPts val="1200"/>
+              <a:buFont typeface="Arial"/>
+              <a:buNone/>
+            </a:pPr>
+            <a:r>
+              <a:rPr lang="en-US" sz="1200" b="0" i="0" u="none" strike="noStrike" cap="none" dirty="0">
+                <a:solidFill>
+                  <a:schemeClr val="lt1"/>
+                </a:solidFill>
+                <a:latin typeface="Source Sans Pro"/>
+                <a:ea typeface="Source Sans Pro"/>
+                <a:cs typeface="Source Sans Pro"/>
+                <a:sym typeface="Source Sans Pro"/>
+              </a:rPr>
+              <a:t>Buying </a:t>
+            </a:r>
+            <a:r>
+              <a:rPr lang="en-US" sz="1200" b="0" i="0" u="none" strike="noStrike" cap="none" dirty="0">
+                <a:solidFill>
+                  <a:schemeClr val="accent5"/>
+                </a:solidFill>
+                <a:latin typeface="Source Sans Pro"/>
+                <a:ea typeface="Source Sans Pro"/>
+                <a:cs typeface="Source Sans Pro"/>
+                <a:sym typeface="Source Sans Pro"/>
+              </a:rPr>
+              <a:t>m-stables</a:t>
+            </a:r>
+            <a:r>
+              <a:rPr lang="en-US" sz="1200" b="0" i="0" u="none" strike="noStrike" cap="none" dirty="0">
+                <a:solidFill>
+                  <a:schemeClr val="lt1"/>
+                </a:solidFill>
+                <a:latin typeface="Source Sans Pro"/>
+                <a:ea typeface="Source Sans Pro"/>
+                <a:cs typeface="Source Sans Pro"/>
+                <a:sym typeface="Source Sans Pro"/>
+              </a:rPr>
+              <a:t>:</a:t>
+            </a:r>
+            <a:br>
+              <a:rPr lang="en-US" sz="1200" b="0" i="0" u="none" strike="noStrike" cap="none" dirty="0">
+                <a:solidFill>
+                  <a:schemeClr val="lt1"/>
+                </a:solidFill>
+                <a:latin typeface="Source Sans Pro"/>
+                <a:ea typeface="Source Sans Pro"/>
+                <a:cs typeface="Source Sans Pro"/>
+                <a:sym typeface="Source Sans Pro"/>
+              </a:rPr>
+            </a:br>
+            <a:r>
+              <a:rPr lang="en-US" sz="1200" b="0" i="0" u="none" strike="noStrike" cap="none" dirty="0">
+                <a:solidFill>
+                  <a:schemeClr val="lt1"/>
+                </a:solidFill>
+                <a:latin typeface="Source Sans Pro"/>
+                <a:ea typeface="Source Sans Pro"/>
+                <a:cs typeface="Source Sans Pro"/>
+                <a:sym typeface="Source Sans Pro"/>
+              </a:rPr>
+              <a:t>When a user deposits (brings) collateral, </a:t>
+            </a:r>
+            <a:r>
+              <a:rPr lang="en-US" sz="1200" dirty="0">
+                <a:solidFill>
+                  <a:schemeClr val="lt1"/>
+                </a:solidFill>
+                <a:latin typeface="Source Sans Pro"/>
+                <a:ea typeface="Source Sans Pro"/>
+                <a:cs typeface="Source Sans Pro"/>
+                <a:sym typeface="Source Sans Pro"/>
+              </a:rPr>
+              <a:t>Matrix</a:t>
+            </a:r>
+            <a:r>
+              <a:rPr lang="en-US" sz="1200" b="0" i="0" u="none" strike="noStrike" cap="none" dirty="0">
+                <a:solidFill>
+                  <a:schemeClr val="lt1"/>
+                </a:solidFill>
+                <a:latin typeface="Source Sans Pro"/>
+                <a:ea typeface="Source Sans Pro"/>
+                <a:cs typeface="Source Sans Pro"/>
+                <a:sym typeface="Source Sans Pro"/>
+              </a:rPr>
+              <a:t> will mint and give an equivalent value in USDM </a:t>
+            </a:r>
+            <a:r>
+              <a:rPr lang="en-US" sz="1200" dirty="0">
+                <a:solidFill>
+                  <a:schemeClr val="lt1"/>
+                </a:solidFill>
+                <a:latin typeface="Source Sans Pro"/>
+                <a:ea typeface="Source Sans Pro"/>
+                <a:cs typeface="Source Sans Pro"/>
+                <a:sym typeface="Source Sans Pro"/>
+              </a:rPr>
+              <a:t>to the user</a:t>
+            </a:r>
+            <a:r>
+              <a:rPr lang="en-US" sz="1200" b="0" i="0" u="none" strike="noStrike" cap="none" dirty="0">
+                <a:solidFill>
+                  <a:schemeClr val="lt1"/>
+                </a:solidFill>
+                <a:latin typeface="Source Sans Pro"/>
+                <a:ea typeface="Source Sans Pro"/>
+                <a:cs typeface="Source Sans Pro"/>
+                <a:sym typeface="Source Sans Pro"/>
+              </a:rPr>
+              <a:t>.</a:t>
+            </a:r>
+          </a:p>
+          <a:p>
+            <a:pPr marL="0" marR="0" lvl="0" indent="0" rtl="0">
+              <a:lnSpc>
+                <a:spcPct val="100000"/>
+              </a:lnSpc>
+              <a:spcBef>
+                <a:spcPts val="0"/>
+              </a:spcBef>
+              <a:spcAft>
+                <a:spcPts val="0"/>
+              </a:spcAft>
+              <a:buClr>
+                <a:srgbClr val="000000"/>
+              </a:buClr>
+              <a:buSzPts val="1200"/>
+              <a:buFont typeface="Arial"/>
+              <a:buNone/>
+            </a:pPr>
+            <a:br>
+              <a:rPr lang="en-US" sz="1200" b="0" i="0" u="none" strike="noStrike" cap="none" dirty="0">
+                <a:solidFill>
+                  <a:schemeClr val="lt1"/>
+                </a:solidFill>
+                <a:latin typeface="Source Sans Pro"/>
+                <a:ea typeface="Source Sans Pro"/>
+                <a:cs typeface="Source Sans Pro"/>
+                <a:sym typeface="Source Sans Pro"/>
+              </a:rPr>
+            </a:br>
+            <a:r>
+              <a:rPr lang="en-US" sz="1200" b="0" i="0" u="none" strike="noStrike" cap="none" dirty="0">
+                <a:solidFill>
+                  <a:schemeClr val="lt1"/>
+                </a:solidFill>
+                <a:latin typeface="Source Sans Pro"/>
+                <a:ea typeface="Source Sans Pro"/>
+                <a:cs typeface="Source Sans Pro"/>
+                <a:sym typeface="Source Sans Pro"/>
+              </a:rPr>
+              <a:t>Selling </a:t>
+            </a:r>
+            <a:r>
+              <a:rPr lang="en-US" sz="1200" b="0" i="0" u="none" strike="noStrike" cap="none" dirty="0">
+                <a:solidFill>
+                  <a:schemeClr val="accent5"/>
+                </a:solidFill>
+                <a:latin typeface="Source Sans Pro"/>
+                <a:ea typeface="Source Sans Pro"/>
+                <a:cs typeface="Source Sans Pro"/>
+                <a:sym typeface="Source Sans Pro"/>
+              </a:rPr>
+              <a:t>m-stables</a:t>
+            </a:r>
+            <a:r>
+              <a:rPr lang="en-US" sz="1200" b="0" i="0" u="none" strike="noStrike" cap="none" dirty="0">
+                <a:solidFill>
+                  <a:schemeClr val="lt1"/>
+                </a:solidFill>
+                <a:latin typeface="Source Sans Pro"/>
+                <a:ea typeface="Source Sans Pro"/>
+                <a:cs typeface="Source Sans Pro"/>
+                <a:sym typeface="Source Sans Pro"/>
+              </a:rPr>
+              <a:t>:</a:t>
+            </a:r>
+          </a:p>
+          <a:p>
+            <a:pPr>
+              <a:buSzPts val="1200"/>
+            </a:pPr>
+            <a:r>
+              <a:rPr lang="en-US" sz="1200" b="0" i="0" u="none" strike="noStrike" cap="none" dirty="0">
+                <a:solidFill>
+                  <a:schemeClr val="lt1"/>
+                </a:solidFill>
+                <a:latin typeface="Source Sans Pro"/>
+                <a:ea typeface="Source Sans Pro"/>
+                <a:cs typeface="Source Sans Pro"/>
+                <a:sym typeface="Source Sans Pro"/>
+              </a:rPr>
+              <a:t>When a user withdraws (receives) collateral, </a:t>
+            </a:r>
+            <a:r>
+              <a:rPr lang="en-US" sz="1200" dirty="0">
+                <a:solidFill>
+                  <a:schemeClr val="lt1"/>
+                </a:solidFill>
+                <a:latin typeface="Source Sans Pro"/>
+                <a:ea typeface="Source Sans Pro"/>
+                <a:cs typeface="Source Sans Pro"/>
+                <a:sym typeface="Source Sans Pro"/>
+              </a:rPr>
+              <a:t>Matrix</a:t>
+            </a:r>
+            <a:r>
+              <a:rPr lang="en-US" sz="1200" b="0" i="0" u="none" strike="noStrike" cap="none" dirty="0">
+                <a:solidFill>
+                  <a:schemeClr val="lt1"/>
+                </a:solidFill>
+                <a:latin typeface="Source Sans Pro"/>
+                <a:ea typeface="Source Sans Pro"/>
+                <a:cs typeface="Source Sans Pro"/>
+                <a:sym typeface="Source Sans Pro"/>
+              </a:rPr>
+              <a:t> will burn the equivalent value in USDM brought by the user.</a:t>
+            </a:r>
+          </a:p>
+        </p:txBody>
+      </p:sp>
     </p:spTree>
   </p:cSld>
   <p:clrMapOvr>
@@ -22279,7 +22558,23 @@
                   <a:srgbClr val="E4B724"/>
                 </a:solidFill>
               </a:rPr>
-              <a:t>Oracles</a:t>
+              <a:t>Oracle </a:t>
+            </a:r>
+            <a:r>
+              <a:rPr lang="fr" sz="2650" dirty="0">
+                <a:solidFill>
+                  <a:srgbClr val="263238"/>
+                </a:solidFill>
+              </a:rPr>
+              <a:t>and </a:t>
+            </a:r>
+            <a:r>
+              <a:rPr lang="fr" sz="2650" b="1" dirty="0">
+                <a:solidFill>
+                  <a:srgbClr val="E4B724"/>
+                </a:solidFill>
+              </a:rPr>
+              <a:t>AMM prices</a:t>
             </a:r>
             <a:r>
               <a:rPr lang="fr" sz="2650" b="1" dirty="0">
@@ -22295,7 +22590,7 @@
                   <a:srgbClr val="263238"/>
                 </a:solidFill>
               </a:rPr>
-              <a:t>determine the number of</a:t>
+              <a:t>determine the exchange rate between</a:t>
             </a:r>
             <a:r>
               <a:rPr lang="fr" sz="2650" b="1" dirty="0">
@@ -22311,7 +22606,7 @@
                   <a:srgbClr val="0096A7"/>
                 </a:solidFill>
               </a:rPr>
-              <a:t>NEO</a:t>
+              <a:t>m-stables</a:t>
             </a:r>
             <a:r>
               <a:rPr lang="fr" sz="2650" b="1" dirty="0">
@@ -22327,7 +22622,7 @@
                   <a:srgbClr val="263238"/>
                 </a:solidFill>
               </a:rPr>
-              <a:t>stables the Matrix will mint or burn</a:t>
+              <a:t>and collateral</a:t>
             </a:r>
             <a:r>
               <a:rPr lang="fr" sz="2650" b="1" dirty="0">
@@ -22395,7 +22690,27 @@
                 <a:latin typeface="Source Sans Pro" panose="020B0503030403020204" pitchFamily="34" charset="0"/>
                 <a:ea typeface="Source Sans Pro" panose="020B0503030403020204" pitchFamily="34" charset="0"/>
               </a:rPr>
-              <a:t>To mint or burn NEO, it must be swapped with whitelisted collateral.</a:t>
+              <a:t>To mint or burn </a:t>
+            </a:r>
+            <a:r>
+              <a:rPr lang="fr" sz="1200" b="1" dirty="0">
+                <a:solidFill>
+                  <a:srgbClr val="0096A7"/>
+                </a:solidFill>
+                <a:latin typeface="Source Sans Pro" panose="020B0503030403020204" pitchFamily="34" charset="0"/>
+                <a:ea typeface="Source Sans Pro" panose="020B0503030403020204" pitchFamily="34" charset="0"/>
+              </a:rPr>
+              <a:t>USDM</a:t>
+            </a:r>
+            <a:r>
+              <a:rPr lang="fr" sz="1200" dirty="0">
+                <a:solidFill>
+                  <a:srgbClr val="263238"/>
+                </a:solidFill>
+                <a:latin typeface="Source Sans Pro" panose="020B0503030403020204" pitchFamily="34" charset="0"/>
+                <a:ea typeface="Source Sans Pro" panose="020B0503030403020204" pitchFamily="34" charset="0"/>
+              </a:rPr>
+              <a:t>, it must be swapped with whitelisted collateral.</a:t>
             </a:r>
             <a:endParaRPr sz="1200" dirty="0">
               <a:solidFill>
@@ -23344,131 +23659,26 @@
       </p:grpSpPr>
       <p:sp>
         <p:nvSpPr>
-          <p:cNvPr id="209" name="Google Shape;209;p4"/>
-          <p:cNvSpPr txBox="1">
-            <a:spLocks noGrp="1"/>
-          </p:cNvSpPr>
-          <p:nvPr>
-            <p:ph type="title"/>
-          </p:nvPr>
-        </p:nvSpPr>
-        <p:spPr>
-          <a:xfrm>
-            <a:off x="133225" y="1095300"/>
-            <a:ext cx="3611700" cy="2864100"/>
-          </a:xfrm>
-          <a:prstGeom prst="rect">
-            <a:avLst/>
-          </a:prstGeom>
-          <a:noFill/>
-          <a:ln>
-            <a:noFill/>
-          </a:ln>
-        </p:spPr>
-        <p:txBody>
-          <a:bodyPr spcFirstLastPara="1" wrap="square" lIns="91425" tIns="91425" rIns="91425" bIns="91425" anchor="ctr" anchorCtr="0">
-            <a:noAutofit/>
-          </a:bodyPr>
-          <a:lstStyle/>
-          <a:p>
-            <a:pPr marL="0" lvl="0" indent="0" algn="l" rtl="0">
-              <a:lnSpc>
-                <a:spcPct val="100000"/>
-              </a:lnSpc>
-              <a:spcBef>
-                <a:spcPts val="0"/>
-              </a:spcBef>
-              <a:spcAft>
-                <a:spcPts val="0"/>
-              </a:spcAft>
-              <a:buSzPts val="990"/>
-              <a:buNone/>
-            </a:pPr>
-            <a:r>
-              <a:rPr lang="fr" sz="3000">
-                <a:solidFill>
-                  <a:schemeClr val="accent5"/>
-                </a:solidFill>
-                <a:latin typeface="Roboto Slab"/>
-                <a:ea typeface="Roboto Slab"/>
-                <a:cs typeface="Roboto Slab"/>
-                <a:sym typeface="Roboto Slab"/>
-              </a:rPr>
-              <a:t>Stability</a:t>
-            </a:r>
-            <a:r>
-              <a:rPr lang="fr" sz="3000">
-                <a:latin typeface="Roboto Slab"/>
-                <a:ea typeface="Roboto Slab"/>
-                <a:cs typeface="Roboto Slab"/>
-                <a:sym typeface="Roboto Slab"/>
-              </a:rPr>
-              <a:t> of the stablecoin is maintained by </a:t>
-            </a:r>
-            <a:r>
-              <a:rPr lang="fr" sz="3000" b="1">
-                <a:latin typeface="Roboto Slab"/>
-                <a:ea typeface="Roboto Slab"/>
-                <a:cs typeface="Roboto Slab"/>
-                <a:sym typeface="Roboto Slab"/>
-              </a:rPr>
-              <a:t>2</a:t>
-            </a:r>
-            <a:r>
-              <a:rPr lang="fr" sz="3000">
-                <a:latin typeface="Roboto Slab"/>
-                <a:ea typeface="Roboto Slab"/>
-                <a:cs typeface="Roboto Slab"/>
-                <a:sym typeface="Roboto Slab"/>
-              </a:rPr>
-              <a:t> key types of </a:t>
-            </a:r>
-            <a:r>
-              <a:rPr lang="fr" sz="3000">
-                <a:solidFill>
-                  <a:srgbClr val="0091EA"/>
-                </a:solidFill>
-                <a:latin typeface="Roboto Slab"/>
-                <a:ea typeface="Roboto Slab"/>
-                <a:cs typeface="Roboto Slab"/>
-                <a:sym typeface="Roboto Slab"/>
-              </a:rPr>
-              <a:t>liquidity providers</a:t>
-            </a:r>
-            <a:r>
-              <a:rPr lang="fr" sz="3000">
-                <a:latin typeface="Roboto Slab"/>
-                <a:ea typeface="Roboto Slab"/>
-                <a:cs typeface="Roboto Slab"/>
-                <a:sym typeface="Roboto Slab"/>
-              </a:rPr>
-              <a:t>.</a:t>
-            </a:r>
-            <a:endParaRPr sz="3000">
-              <a:latin typeface="Roboto Slab"/>
-              <a:ea typeface="Roboto Slab"/>
-              <a:cs typeface="Roboto Slab"/>
-              <a:sym typeface="Roboto Slab"/>
-            </a:endParaRPr>
-          </a:p>
-        </p:txBody>
-      </p:sp>
-      <p:sp>
-        <p:nvSpPr>
-          <p:cNvPr id="211" name="Google Shape;211;p4"/>
+          <p:cNvPr id="6" name="Google Shape;157;p3">
+            <a:extLst>
+              <a:ext uri="{FF2B5EF4-FFF2-40B4-BE49-F238E27FC236}">
+                <a16:creationId xmlns:a16="http://schemas.microsoft.com/office/drawing/2014/main" id="{A7D75CFA-4B57-4627-9088-71B0A78221AE}"/>
+              </a:ext>
+            </a:extLst>
+          </p:cNvPr>
           <p:cNvSpPr/>
           <p:nvPr/>
         </p:nvSpPr>
         <p:spPr>
           <a:xfrm>
-            <a:off x="3980353" y="0"/>
+            <a:off x="3980352" y="0"/>
             <a:ext cx="5184564" cy="5143500"/>
           </a:xfrm>
           <a:prstGeom prst="rect">
             <a:avLst/>
           </a:prstGeom>
           <a:solidFill>
-            <a:srgbClr val="0053A3"/>
+            <a:srgbClr val="263238"/>
           </a:solidFill>
           <a:ln w="9525" cap="flat" cmpd="sng">
             <a:solidFill>
@@ -23517,14 +23727,142 @@
       </p:sp>
       <p:sp>
         <p:nvSpPr>
+          <p:cNvPr id="209" name="Google Shape;209;p4"/>
+          <p:cNvSpPr txBox="1">
+            <a:spLocks noGrp="1"/>
+          </p:cNvSpPr>
+          <p:nvPr>
+            <p:ph type="title"/>
+          </p:nvPr>
+        </p:nvSpPr>
+        <p:spPr>
+          <a:xfrm>
+            <a:off x="199900" y="1009612"/>
+            <a:ext cx="3611700" cy="3124275"/>
+          </a:xfrm>
+          <a:prstGeom prst="rect">
+            <a:avLst/>
+          </a:prstGeom>
+          <a:noFill/>
+          <a:ln>
+            <a:noFill/>
+          </a:ln>
+        </p:spPr>
+        <p:txBody>
+          <a:bodyPr spcFirstLastPara="1" wrap="square" lIns="91425" tIns="91425" rIns="91425" bIns="91425" anchor="ctr" anchorCtr="0">
+            <a:noAutofit/>
+          </a:bodyPr>
+          <a:lstStyle/>
+          <a:p>
+            <a:pPr marL="0" lvl="0" indent="0" algn="l" rtl="0">
+              <a:lnSpc>
+                <a:spcPct val="100000"/>
+              </a:lnSpc>
+              <a:spcBef>
+                <a:spcPts val="0"/>
+              </a:spcBef>
+              <a:spcAft>
+                <a:spcPts val="0"/>
+              </a:spcAft>
+              <a:buSzPts val="990"/>
+              <a:buNone/>
+            </a:pPr>
+            <a:r>
+              <a:rPr lang="fr" sz="5000" b="1" dirty="0">
+                <a:solidFill>
+                  <a:schemeClr val="accent5"/>
+                </a:solidFill>
+                <a:latin typeface="Roboto Slab"/>
+                <a:ea typeface="Roboto Slab"/>
+                <a:cs typeface="Roboto Slab"/>
+                <a:sym typeface="Roboto Slab"/>
+              </a:rPr>
+              <a:t>Stability</a:t>
+            </a:r>
+            <a:r>
+              <a:rPr lang="fr" sz="5000" b="1" dirty="0">
+                <a:latin typeface="Roboto Slab"/>
+                <a:ea typeface="Roboto Slab"/>
+                <a:cs typeface="Roboto Slab"/>
+                <a:sym typeface="Roboto Slab"/>
+              </a:rPr>
+              <a:t> </a:t>
+            </a:r>
+            <a:br>
+              <a:rPr lang="fr" sz="3000" dirty="0">
+                <a:latin typeface="Roboto Slab"/>
+                <a:ea typeface="Roboto Slab"/>
+                <a:cs typeface="Roboto Slab"/>
+                <a:sym typeface="Roboto Slab"/>
+              </a:rPr>
+            </a:br>
+            <a:r>
+              <a:rPr lang="fr" sz="3000" dirty="0">
+                <a:latin typeface="Roboto Slab"/>
+                <a:ea typeface="Roboto Slab"/>
+                <a:cs typeface="Roboto Slab"/>
+                <a:sym typeface="Roboto Slab"/>
+              </a:rPr>
+              <a:t>of the m-stables is maintained by </a:t>
+            </a:r>
+            <a:r>
+              <a:rPr lang="fr" sz="3000" b="1" dirty="0">
+                <a:latin typeface="Roboto Slab"/>
+                <a:ea typeface="Roboto Slab"/>
+                <a:cs typeface="Roboto Slab"/>
+                <a:sym typeface="Roboto Slab"/>
+              </a:rPr>
+              <a:t>2</a:t>
+            </a:r>
+            <a:r>
+              <a:rPr lang="fr" sz="3000" dirty="0">
+                <a:latin typeface="Roboto Slab"/>
+                <a:ea typeface="Roboto Slab"/>
+                <a:cs typeface="Roboto Slab"/>
+                <a:sym typeface="Roboto Slab"/>
+              </a:rPr>
+              <a:t> key types of </a:t>
+            </a:r>
+            <a:r>
+              <a:rPr lang="fr" sz="3000" dirty="0">
+                <a:solidFill>
+                  <a:srgbClr val="0091EA"/>
+                </a:solidFill>
+                <a:latin typeface="Roboto Slab"/>
+                <a:ea typeface="Roboto Slab"/>
+                <a:cs typeface="Roboto Slab"/>
+                <a:sym typeface="Roboto Slab"/>
+              </a:rPr>
+              <a:t>liquidity providers</a:t>
+            </a:r>
+            <a:r>
+              <a:rPr lang="fr" sz="3000" dirty="0">
+                <a:latin typeface="Roboto Slab"/>
+                <a:ea typeface="Roboto Slab"/>
+                <a:cs typeface="Roboto Slab"/>
+                <a:sym typeface="Roboto Slab"/>
+              </a:rPr>
+              <a:t>.</a:t>
+            </a:r>
+            <a:endParaRPr sz="3000" dirty="0">
+              <a:latin typeface="Roboto Slab"/>
+              <a:ea typeface="Roboto Slab"/>
+              <a:cs typeface="Roboto Slab"/>
+              <a:sym typeface="Roboto Slab"/>
+            </a:endParaRPr>
+          </a:p>
+        </p:txBody>
+      </p:sp>
+      <p:sp>
+        <p:nvSpPr>
           <p:cNvPr id="213" name="Google Shape;213;p4"/>
           <p:cNvSpPr/>
           <p:nvPr/>
         </p:nvSpPr>
         <p:spPr>
           <a:xfrm>
-            <a:off x="4516724" y="387921"/>
-            <a:ext cx="4090800" cy="1906838"/>
+            <a:off x="4516724" y="690563"/>
+            <a:ext cx="4090800" cy="1685541"/>
           </a:xfrm>
           <a:prstGeom prst="roundRect">
             <a:avLst>
@@ -23550,10 +23888,7 @@
           </a:bodyPr>
           <a:lstStyle/>
           <a:p>
-            <a:pPr marL="0" marR="0" lvl="0" indent="0" algn="just" rtl="0">
-              <a:lnSpc>
-                <a:spcPct val="115000"/>
-              </a:lnSpc>
+            <a:pPr marL="0" marR="0" lvl="0" indent="0" rtl="0">
               <a:spcBef>
                 <a:spcPts val="1200"/>
               </a:spcBef>
@@ -23568,7 +23903,7 @@
               <a:buNone/>
             </a:pPr>
             <a:r>
-              <a:rPr lang="fr" sz="1100" b="1" i="0" u="sng" strike="noStrike" cap="none" dirty="0">
+              <a:rPr lang="fr" sz="1500" b="1" i="0" u="sng" strike="noStrike" cap="none" dirty="0">
                 <a:solidFill>
                   <a:srgbClr val="0091EA"/>
                 </a:solidFill>
@@ -23580,7 +23915,7 @@
               <a:t>Leverage Agents (LAs)</a:t>
             </a:r>
             <a:r>
-              <a:rPr lang="fr" sz="1100" b="1" i="0" u="none" strike="noStrike" cap="none" dirty="0">
+              <a:rPr lang="fr" sz="1100" b="0" i="0" u="none" strike="noStrike" cap="none" dirty="0">
                 <a:solidFill>
                   <a:srgbClr val="263238"/>
                 </a:solidFill>
@@ -23589,10 +23924,10 @@
                 <a:cs typeface="Source Sans Pro"/>
                 <a:sym typeface="Source Sans Pro"/>
               </a:rPr>
-              <a:t>:</a:t>
+              <a:t> </a:t>
             </a:r>
-            <a:r>
-              <a:rPr lang="fr" sz="1100" b="0" i="0" u="none" strike="noStrike" cap="none" dirty="0">
+            <a:br>
+              <a:rPr lang="fr" sz="1100" dirty="0">
                 <a:solidFill>
                   <a:srgbClr val="263238"/>
                 </a:solidFill>
@@ -23601,22 +23936,57 @@
                 <a:cs typeface="Source Sans Pro"/>
                 <a:sym typeface="Source Sans Pro"/>
               </a:rPr>
-              <a:t> These agents get perpetual futures from the protocol, receiving leverage on the evolution of the collateral price with respect the stablecoin, </a:t>
-            </a:r>
+            </a:br>
             <a:r>
-              <a:rPr lang="fr" sz="1100" b="0" i="0" u="none" strike="noStrike" cap="none" dirty="0">
-                <a:solidFill>
-                  <a:schemeClr val="accent5"/>
+              <a:rPr lang="fr" b="0" i="0" u="none" strike="noStrike" cap="none" dirty="0">
+                <a:solidFill>
+                  <a:srgbClr val="263238"/>
                 </a:solidFill>
                 <a:latin typeface="Source Sans Pro"/>
                 <a:ea typeface="Source Sans Pro"/>
                 <a:cs typeface="Source Sans Pro"/>
                 <a:sym typeface="Source Sans Pro"/>
               </a:rPr>
-              <a:t>NEO</a:t>
+              <a:t>Leverage agents are liquidity providers </a:t>
             </a:r>
             <a:r>
-              <a:rPr lang="fr" sz="1100" b="0" i="0" u="none" strike="noStrike" cap="none" dirty="0">
+              <a:rPr lang="fr" dirty="0">
+                <a:solidFill>
+                  <a:srgbClr val="263238"/>
+                </a:solidFill>
+                <a:latin typeface="Source Sans Pro"/>
+                <a:ea typeface="Source Sans Pro"/>
+                <a:cs typeface="Source Sans Pro"/>
+                <a:sym typeface="Source Sans Pro"/>
+              </a:rPr>
+              <a:t>take long, </a:t>
+            </a:r>
+            <a:r>
+              <a:rPr lang="fr" b="0" i="0" u="none" strike="noStrike" cap="none" dirty="0">
+                <a:solidFill>
+                  <a:srgbClr val="263238"/>
+                </a:solidFill>
+                <a:latin typeface="Source Sans Pro"/>
+                <a:ea typeface="Source Sans Pro"/>
+                <a:cs typeface="Source Sans Pro"/>
+                <a:sym typeface="Source Sans Pro"/>
+              </a:rPr>
+              <a:t>leveraged positions on collateral price with respect to the stablecoin, </a:t>
+            </a:r>
+            <a:r>
+              <a:rPr lang="fr" b="0" i="0" u="none" strike="noStrike" cap="none" dirty="0">
+                <a:solidFill>
+                  <a:schemeClr val="accent5"/>
+                </a:solidFill>
+                <a:latin typeface="Source Sans Pro"/>
+                <a:ea typeface="Source Sans Pro"/>
+                <a:cs typeface="Source Sans Pro"/>
+                <a:sym typeface="Source Sans Pro"/>
+              </a:rPr>
+              <a:t>USDM</a:t>
+            </a:r>
+            <a:r>
+              <a:rPr lang="fr" b="0" i="0" u="none" strike="noStrike" cap="none" dirty="0">
                 <a:solidFill>
                   <a:srgbClr val="263238"/>
                 </a:solidFill>
@@ -23659,8 +24029,8 @@
         </p:nvSpPr>
         <p:spPr>
           <a:xfrm>
-            <a:off x="4516724" y="2736193"/>
-            <a:ext cx="4090800" cy="2019386"/>
+            <a:off x="4516724" y="2916839"/>
+            <a:ext cx="4090800" cy="1685925"/>
           </a:xfrm>
           <a:prstGeom prst="roundRect">
             <a:avLst>
@@ -23686,7 +24056,7 @@
           </a:bodyPr>
           <a:lstStyle/>
           <a:p>
-            <a:pPr marL="0" marR="0" lvl="0" indent="0" algn="just" rtl="0">
+            <a:pPr marL="0" marR="0" lvl="0" indent="0" rtl="0">
               <a:lnSpc>
                 <a:spcPct val="115000"/>
               </a:lnSpc>
@@ -23704,11 +24074,11 @@
               <a:buNone/>
             </a:pPr>
             <a:r>
-              <a:rPr lang="fr" sz="1100" b="1" i="0" u="sng" strike="noStrike" cap="none" dirty="0">
+              <a:rPr lang="fr" sz="1500" b="1" i="0" u="sng" strike="noStrike" cap="none" dirty="0">
                 <a:solidFill>
                   <a:srgbClr val="0091EA"/>
                 </a:solidFill>
-                <a:latin typeface="Source Sans Pro"/>
+                <a:latin typeface="Helvetica Neue" panose="020B0604020202020204" charset="0"/>
                 <a:ea typeface="Source Sans Pro"/>
                 <a:cs typeface="Source Sans Pro"/>
                 <a:sym typeface="Source Sans Pro"/>
@@ -23716,7 +24086,7 @@
               <a:t>Insurance Agents (IAs)</a:t>
             </a:r>
             <a:r>
-              <a:rPr lang="fr" sz="1100" b="1" i="0" u="none" strike="noStrike" cap="none" dirty="0">
+              <a:rPr lang="fr" sz="1100" b="0" i="0" u="none" strike="noStrike" cap="none" dirty="0">
                 <a:solidFill>
                   <a:srgbClr val="263238"/>
                 </a:solidFill>
@@ -23725,9 +24095,9 @@
                 <a:cs typeface="Source Sans Pro"/>
                 <a:sym typeface="Source Sans Pro"/>
               </a:rPr>
-              <a:t>:</a:t>
+              <a:t> </a:t>
             </a:r>
-            <a:r>
+            <a:br>
               <a:rPr lang="fr" sz="1100" b="0" i="0" u="none" strike="noStrike" cap="none" dirty="0">
                 <a:solidFill>
                   <a:srgbClr val="263238"/>
@@ -23737,9 +24107,20 @@
                 <a:cs typeface="Source Sans Pro"/>
                 <a:sym typeface="Source Sans Pro"/>
               </a:rPr>
-              <a:t> are the buffer for the moments when Leverage Agents do not fully cover the collateral that was brought by users, and when the protocol’s reserves are not fully insured.</a:t>
+            </a:br>
+            <a:r>
+              <a:rPr lang="fr" b="0" i="0" u="none" strike="noStrike" cap="none" dirty="0">
+                <a:solidFill>
+                  <a:srgbClr val="263238"/>
+                </a:solidFill>
+                <a:latin typeface="Source Sans Pro"/>
+                <a:ea typeface="Source Sans Pro"/>
+                <a:cs typeface="Source Sans Pro"/>
+                <a:sym typeface="Source Sans Pro"/>
+              </a:rPr>
+              <a:t>Insurance agents are the buffer for the moments when Leverage Agents do not fully cover the collateral that was brought by users, and when the protocol’s reserves are not fully insured.</a:t>
             </a:r>
-            <a:endParaRPr sz="1100" b="1" i="0" u="sng" strike="noStrike" cap="none" dirty="0">
+            <a:endParaRPr b="1" i="0" u="sng" strike="noStrike" cap="none" dirty="0">
               <a:solidFill>
                 <a:srgbClr val="0091EA"/>
               </a:solidFill>
@@ -23889,26 +24270,37 @@
                 <a:solidFill>
                   <a:srgbClr val="6929C4"/>
                 </a:solidFill>
+                <a:latin typeface="Helvetica Neue" panose="020B0604020202020204" charset="0"/>
               </a:rPr>
               <a:t>Leverage Agents</a:t>
             </a:r>
             <a:r>
-              <a:rPr lang="fr" sz="2650" b="1" dirty="0"/>
+              <a:rPr lang="fr" sz="2650" b="1" dirty="0">
+                <a:latin typeface="Helvetica Neue" panose="020B0604020202020204" charset="0"/>
+              </a:rPr>
               <a:t> </a:t>
             </a:r>
             <a:r>
-              <a:rPr lang="fr" sz="2650" dirty="0"/>
+              <a:rPr lang="fr" sz="2650" dirty="0">
+                <a:latin typeface="Helvetica Neue" panose="020B0604020202020204" charset="0"/>
+              </a:rPr>
               <a:t>buy </a:t>
             </a:r>
             <a:r>
-              <a:rPr lang="fr" sz="2650" b="1" dirty="0"/>
+              <a:rPr lang="fr" sz="2650" b="1" dirty="0">
+                <a:latin typeface="Helvetica Neue" panose="020B0604020202020204" charset="0"/>
+              </a:rPr>
               <a:t>perpetual futures</a:t>
             </a:r>
             <a:r>
-              <a:rPr lang="fr" sz="2650" dirty="0"/>
+              <a:rPr lang="fr" sz="2650" dirty="0">
+                <a:latin typeface="Helvetica Neue" panose="020B0604020202020204" charset="0"/>
+              </a:rPr>
               <a:t> from the protocol.</a:t>
             </a:r>
-            <a:endParaRPr sz="2650" dirty="0"/>
+            <a:endParaRPr sz="2650" dirty="0">
+              <a:latin typeface="Helvetica Neue" panose="020B0604020202020204" charset="0"/>
+            </a:endParaRPr>
           </a:p>
           <a:p>
             <a:pPr marL="0" lvl="0" indent="0" algn="just" rtl="0">
@@ -24978,26 +25370,35 @@
               <a:buNone/>
             </a:pPr>
             <a:r>
-              <a:rPr lang="fr" sz="2400" b="1">
+              <a:rPr lang="fr" sz="2400" b="1" dirty="0">
                 <a:solidFill>
                   <a:srgbClr val="0091EA"/>
                 </a:solidFill>
+                <a:latin typeface="Helvetica Neue" panose="020B0604020202020204" charset="0"/>
               </a:rPr>
               <a:t>Insurance Agents</a:t>
             </a:r>
             <a:r>
-              <a:rPr lang="fr" sz="2400"/>
+              <a:rPr lang="fr" sz="2400" dirty="0">
+                <a:latin typeface="Helvetica Neue" panose="020B0604020202020204" charset="0"/>
+              </a:rPr>
               <a:t> bare the liquidation risks in exchange for </a:t>
             </a:r>
             <a:r>
-              <a:rPr lang="fr" sz="2400" b="1"/>
+              <a:rPr lang="fr" sz="2400" b="1" dirty="0">
+                <a:latin typeface="Helvetica Neue" panose="020B0604020202020204" charset="0"/>
+              </a:rPr>
               <a:t>interest gained on their capital</a:t>
             </a:r>
             <a:r>
-              <a:rPr lang="fr" sz="2400"/>
+              <a:rPr lang="fr" sz="2400" dirty="0">
+                <a:latin typeface="Helvetica Neue" panose="020B0604020202020204" charset="0"/>
+              </a:rPr>
               <a:t>.</a:t>
             </a:r>
-            <a:endParaRPr sz="2400"/>
+            <a:endParaRPr sz="2400" dirty="0">
+              <a:latin typeface="Helvetica Neue" panose="020B0604020202020204" charset="0"/>
+            </a:endParaRPr>
           </a:p>
           <a:p>
             <a:pPr marL="0" lvl="0" indent="0" algn="l" rtl="0">
@@ -25013,7 +25414,7 @@
               <a:buSzPts val="2800"/>
               <a:buNone/>
             </a:pPr>
-            <a:endParaRPr sz="966"/>
+            <a:endParaRPr sz="966" dirty="0"/>
           </a:p>
           <a:p>
             <a:pPr marL="0" lvl="0" indent="0" algn="l" rtl="0">
@@ -25030,18 +25431,18 @@
               <a:buNone/>
             </a:pPr>
             <a:r>
-              <a:rPr lang="fr" sz="966"/>
+              <a:rPr lang="fr" sz="966" dirty="0"/>
               <a:t>When lending money to over-collateralized the protocol, these agents are taking a small risk that needs to be incentivized. IAs collect fees from token minting and from protocol liquidity that’s invested in strategies on Umee &amp; Axelar. They effectively earn interest on </a:t>
             </a:r>
             <a:r>
-              <a:rPr lang="fr" sz="966" b="1" u="sng"/>
+              <a:rPr lang="fr" sz="966" b="1" u="sng" dirty="0"/>
               <a:t>both the collateral they bring, as well as the collateral given by stablecoin seeker</a:t>
             </a:r>
             <a:r>
-              <a:rPr lang="fr" sz="966"/>
+              <a:rPr lang="fr" sz="966" dirty="0"/>
               <a:t>.</a:t>
             </a:r>
-            <a:endParaRPr sz="966"/>
+            <a:endParaRPr sz="966" dirty="0"/>
           </a:p>
         </p:txBody>
       </p:sp>
@@ -26113,7 +26514,7 @@
             <a:avLst/>
           </a:prstGeom>
           <a:solidFill>
-            <a:srgbClr val="0053A3"/>
+            <a:srgbClr val="263238"/>
           </a:solidFill>
           <a:ln w="9525" cap="flat" cmpd="sng">
             <a:solidFill>
@@ -26479,7 +26880,7 @@
         <p:spPr>
           <a:xfrm>
             <a:off x="3776675" y="1292998"/>
-            <a:ext cx="5176800" cy="3063000"/>
+            <a:ext cx="5176800" cy="2893069"/>
           </a:xfrm>
           <a:prstGeom prst="rect">
             <a:avLst/>
@@ -26495,7 +26896,7 @@
           </a:bodyPr>
           <a:lstStyle/>
           <a:p>
-            <a:pPr marL="457200" marR="0" lvl="0" indent="-298450" algn="l" rtl="0">
+            <a:pPr marL="158750" marR="0" lvl="0" algn="l" rtl="0">
               <a:lnSpc>
                 <a:spcPct val="100000"/>
               </a:lnSpc>
@@ -26509,11 +26910,9 @@
                 <a:srgbClr val="000000"/>
               </a:buClr>
               <a:buSzPts val="1100"/>
-              <a:buFont typeface="Arial"/>
-              <a:buAutoNum type="arabicPeriod"/>
             </a:pPr>
             <a:r>
-              <a:rPr lang="fr" sz="1100" b="0" i="0" u="none" strike="noStrike" cap="none">
+              <a:rPr lang="fr" sz="1100" b="0" i="0" u="none" strike="noStrike" cap="none" dirty="0">
                 <a:solidFill>
                   <a:srgbClr val="000000"/>
                 </a:solidFill>
@@ -26522,9 +26921,9 @@
                 <a:cs typeface="Arial"/>
                 <a:sym typeface="Arial"/>
               </a:rPr>
-              <a:t>10,000 NEO are minted in exchange for 10 OSMO, with an oracle value of 1,000 $ each.</a:t>
+              <a:t>1000 USDM are minted in exchange for 100 OSMO, indicating a prie of $10 OSMO/USDM.</a:t>
             </a:r>
-            <a:endParaRPr sz="1100" b="0" i="0" u="none" strike="noStrike" cap="none">
+            <a:endParaRPr sz="1100" b="0" i="0" u="none" strike="noStrike" cap="none" dirty="0">
               <a:solidFill>
                 <a:srgbClr val="000000"/>
               </a:solidFill>
@@ -26552,7 +26951,7 @@
               <a:buFont typeface="Arial"/>
               <a:buNone/>
             </a:pPr>
-            <a:endParaRPr sz="1100" b="0" i="0" u="none" strike="noStrike" cap="none">
+            <a:endParaRPr sz="1100" b="0" i="0" u="none" strike="noStrike" cap="none" dirty="0">
               <a:solidFill>
                 <a:srgbClr val="000000"/>
               </a:solidFill>
@@ -26563,7 +26962,7 @@
             </a:endParaRPr>
           </a:p>
           <a:p>
-            <a:pPr marL="457200" marR="0" lvl="0" indent="-298450" algn="l" rtl="0">
+            <a:pPr marL="158750" marR="0" lvl="0" algn="l" rtl="0">
               <a:lnSpc>
                 <a:spcPct val="100000"/>
               </a:lnSpc>
@@ -26577,11 +26976,9 @@
                 <a:srgbClr val="000000"/>
               </a:buClr>
               <a:buSzPts val="1100"/>
-              <a:buFont typeface="Arial"/>
-              <a:buAutoNum type="arabicPeriod"/>
             </a:pPr>
             <a:r>
-              <a:rPr lang="fr" sz="1100" b="0" i="0" u="none" strike="noStrike" cap="none">
+              <a:rPr lang="fr" sz="1100" b="0" i="0" u="none" strike="noStrike" cap="none" dirty="0">
                 <a:solidFill>
                   <a:srgbClr val="000000"/>
                 </a:solidFill>
@@ -26592,7 +26989,7 @@
               </a:rPr>
               <a:t>An IA brings 1 OSMO to the protocol, and will earn yield rate on 11 OSMO plus a fraction of the fee collected from swap</a:t>
             </a:r>
-            <a:endParaRPr sz="1100" b="0" i="0" u="none" strike="noStrike" cap="none">
+            <a:endParaRPr sz="1100" b="0" i="0" u="none" strike="noStrike" cap="none" dirty="0">
               <a:solidFill>
                 <a:srgbClr val="000000"/>
               </a:solidFill>
@@ -26620,7 +27017,7 @@
               <a:buFont typeface="Arial"/>
               <a:buNone/>
             </a:pPr>
-            <a:endParaRPr sz="1100" b="0" i="0" u="none" strike="noStrike" cap="none">
+            <a:endParaRPr sz="1100" b="0" i="0" u="none" strike="noStrike" cap="none" dirty="0">
               <a:solidFill>
                 <a:srgbClr val="000000"/>
               </a:solidFill>
@@ -26631,7 +27028,7 @@
             </a:endParaRPr>
           </a:p>
           <a:p>
-            <a:pPr marL="457200" marR="0" lvl="0" indent="-298450" algn="l" rtl="0">
+            <a:pPr marL="158750" marR="0" lvl="0" algn="l" rtl="0">
               <a:lnSpc>
                 <a:spcPct val="100000"/>
               </a:lnSpc>
@@ -26645,11 +27042,9 @@
                 <a:srgbClr val="000000"/>
               </a:buClr>
               <a:buSzPts val="1100"/>
-              <a:buFont typeface="Arial"/>
-              <a:buAutoNum type="arabicPeriod"/>
             </a:pPr>
             <a:r>
-              <a:rPr lang="fr" sz="1100" b="0" i="0" u="none" strike="noStrike" cap="none">
+              <a:rPr lang="fr" sz="1100" b="0" i="0" u="none" strike="noStrike" cap="none" dirty="0">
                 <a:solidFill>
                   <a:srgbClr val="000000"/>
                 </a:solidFill>
@@ -26660,7 +27055,7 @@
               </a:rPr>
               <a:t>OSMO dips at $800, and makes the protocol under-collateralized.</a:t>
             </a:r>
-            <a:endParaRPr sz="1100" b="0" i="0" u="none" strike="noStrike" cap="none">
+            <a:endParaRPr sz="1100" b="0" i="0" u="none" strike="noStrike" cap="none" dirty="0">
               <a:solidFill>
                 <a:srgbClr val="000000"/>
               </a:solidFill>
@@ -26688,7 +27083,7 @@
               <a:buFont typeface="Arial"/>
               <a:buNone/>
             </a:pPr>
-            <a:endParaRPr sz="1100" b="0" i="0" u="none" strike="noStrike" cap="none">
+            <a:endParaRPr sz="1100" b="0" i="0" u="none" strike="noStrike" cap="none" dirty="0">
               <a:solidFill>
                 <a:srgbClr val="000000"/>
               </a:solidFill>
@@ -26699,7 +27094,7 @@
             </a:endParaRPr>
           </a:p>
           <a:p>
-            <a:pPr marL="457200" marR="0" lvl="0" indent="-298450" algn="l" rtl="0">
+            <a:pPr marL="158750" marR="0" lvl="0" algn="l" rtl="0">
               <a:lnSpc>
                 <a:spcPct val="100000"/>
               </a:lnSpc>
@@ -26713,11 +27108,9 @@
                 <a:srgbClr val="000000"/>
               </a:buClr>
               <a:buSzPts val="1100"/>
-              <a:buFont typeface="Arial"/>
-              <a:buAutoNum type="arabicPeriod"/>
             </a:pPr>
             <a:r>
-              <a:rPr lang="fr" sz="1100" b="0" i="0" u="none" strike="noStrike" cap="none">
+              <a:rPr lang="fr" sz="1100" b="0" i="0" u="none" strike="noStrike" cap="none" dirty="0">
                 <a:solidFill>
                   <a:srgbClr val="000000"/>
                 </a:solidFill>
@@ -26728,7 +27121,7 @@
               </a:rPr>
               <a:t>If the IA wants to cash out a tenth of her position, she will only be able to get 0.9 OSMO.</a:t>
             </a:r>
-            <a:endParaRPr sz="1100" b="0" i="0" u="none" strike="noStrike" cap="none">
+            <a:endParaRPr sz="1100" b="0" i="0" u="none" strike="noStrike" cap="none" dirty="0">
               <a:solidFill>
                 <a:srgbClr val="000000"/>
               </a:solidFill>
@@ -26756,7 +27149,7 @@
               <a:buFont typeface="Arial"/>
               <a:buNone/>
             </a:pPr>
-            <a:endParaRPr sz="1100" b="0" i="0" u="none" strike="noStrike" cap="none">
+            <a:endParaRPr sz="1100" b="0" i="0" u="none" strike="noStrike" cap="none" dirty="0">
               <a:solidFill>
                 <a:srgbClr val="000000"/>
               </a:solidFill>
@@ -26767,7 +27160,7 @@
             </a:endParaRPr>
           </a:p>
           <a:p>
-            <a:pPr marL="457200" marR="0" lvl="0" indent="-298450" algn="l" rtl="0">
+            <a:pPr marL="158750" marR="0" lvl="0" algn="l" rtl="0">
               <a:lnSpc>
                 <a:spcPct val="100000"/>
               </a:lnSpc>
@@ -26781,11 +27174,9 @@
                 <a:srgbClr val="000000"/>
               </a:buClr>
               <a:buSzPts val="1100"/>
-              <a:buFont typeface="Arial"/>
-              <a:buAutoNum type="arabicPeriod"/>
             </a:pPr>
             <a:r>
-              <a:rPr lang="fr" sz="1100" b="0" i="0" u="none" strike="noStrike" cap="none">
+              <a:rPr lang="fr" sz="1100" b="0" i="0" u="none" strike="noStrike" cap="none" dirty="0">
                 <a:solidFill>
                   <a:srgbClr val="000000"/>
                 </a:solidFill>
@@ -26796,7 +27187,7 @@
               </a:rPr>
               <a:t>The slippage factor will be a piecewise linear function of the collateral ratio to make risk predictable while incentivizing them to stay in the protocol.</a:t>
             </a:r>
-            <a:endParaRPr sz="1100" b="0" i="0" u="none" strike="noStrike" cap="none">
+            <a:endParaRPr sz="1100" b="0" i="0" u="none" strike="noStrike" cap="none" dirty="0">
               <a:solidFill>
                 <a:srgbClr val="000000"/>
               </a:solidFill>
@@ -26824,7 +27215,7 @@
               <a:buFont typeface="Arial"/>
               <a:buNone/>
             </a:pPr>
-            <a:endParaRPr sz="1100" b="0" i="0" u="none" strike="noStrike" cap="none">
+            <a:endParaRPr sz="1100" b="0" i="0" u="none" strike="noStrike" cap="none" dirty="0">
               <a:solidFill>
                 <a:srgbClr val="000000"/>
               </a:solidFill>
@@ -26835,7 +27226,7 @@
             </a:endParaRPr>
           </a:p>
           <a:p>
-            <a:pPr marL="457200" marR="0" lvl="0" indent="-298450" algn="l" rtl="0">
+            <a:pPr marL="158750" marR="0" lvl="0" algn="l" rtl="0">
               <a:lnSpc>
                 <a:spcPct val="100000"/>
               </a:lnSpc>
@@ -26849,11 +27240,9 @@
                 <a:srgbClr val="000000"/>
               </a:buClr>
               <a:buSzPts val="1100"/>
-              <a:buFont typeface="Arial"/>
-              <a:buAutoNum type="arabicPeriod"/>
             </a:pPr>
             <a:r>
-              <a:rPr lang="fr" sz="1100" b="0" i="0" u="none" strike="noStrike" cap="none">
+              <a:rPr lang="fr" sz="1100" b="0" i="0" u="none" strike="noStrike" cap="none" dirty="0">
                 <a:solidFill>
                   <a:srgbClr val="000000"/>
                 </a:solidFill>
@@ -26864,7 +27253,7 @@
               </a:rPr>
               <a:t>When the protocol is above a certain collateral ratio, the IA won’t incur any slippage.</a:t>
             </a:r>
-            <a:endParaRPr sz="1100" b="0" i="0" u="none" strike="noStrike" cap="none">
+            <a:endParaRPr sz="1100" b="0" i="0" u="none" strike="noStrike" cap="none" dirty="0">
               <a:solidFill>
                 <a:srgbClr val="000000"/>
               </a:solidFill>
@@ -27590,7 +27979,7 @@
             <a:avLst/>
           </a:prstGeom>
           <a:solidFill>
-            <a:srgbClr val="0053A3"/>
+            <a:srgbClr val="263238"/>
           </a:solidFill>
           <a:ln w="9525" cap="flat" cmpd="sng">
             <a:solidFill>
@@ -27680,7 +28069,7 @@
               <a:buNone/>
             </a:pPr>
             <a:r>
-              <a:rPr lang="fr" sz="1400" b="1" i="0" u="none" strike="noStrike" cap="none">
+              <a:rPr lang="fr" sz="1400" b="1" i="0" u="none" strike="noStrike" cap="none" dirty="0">
                 <a:solidFill>
                   <a:schemeClr val="lt1"/>
                 </a:solidFill>
@@ -27691,7 +28080,7 @@
               </a:rPr>
               <a:t>Protocol opportunities</a:t>
             </a:r>
-            <a:endParaRPr sz="1400" b="1" i="0" u="none" strike="noStrike" cap="none">
+            <a:endParaRPr sz="1400" b="1" i="0" u="none" strike="noStrike" cap="none" dirty="0">
               <a:solidFill>
                 <a:schemeClr val="lt1"/>
               </a:solidFill>
@@ -27719,7 +28108,7 @@
               <a:buFont typeface="Arial"/>
               <a:buNone/>
             </a:pPr>
-            <a:endParaRPr sz="1400" b="0" i="0" u="none" strike="noStrike" cap="none">
+            <a:endParaRPr sz="1400" b="0" i="0" u="none" strike="noStrike" cap="none" dirty="0">
               <a:solidFill>
                 <a:schemeClr val="lt1"/>
               </a:solidFill>
@@ -27748,7 +28137,7 @@
               <a:buNone/>
             </a:pPr>
             <a:r>
-              <a:rPr lang="fr" sz="1000" b="0" i="0" u="none" strike="noStrike" cap="none">
+              <a:rPr lang="fr" sz="1000" b="0" i="0" u="none" strike="noStrike" cap="none" dirty="0">
                 <a:solidFill>
                   <a:schemeClr val="lt1"/>
                 </a:solidFill>
@@ -27759,7 +28148,7 @@
               </a:rPr>
               <a:t>The protocol will be governed by the vNEO token. More than 60% of this token will be distributed through staking contracts and bonding curve using the protocol’s stable coin. This governance will be used to define further improvements to be taken in the chain and allows for the protocol to explore new opportunities</a:t>
             </a:r>
-            <a:endParaRPr sz="1000" b="0" i="0" u="none" strike="noStrike" cap="none">
+            <a:endParaRPr sz="1000" b="0" i="0" u="none" strike="noStrike" cap="none" dirty="0">
               <a:solidFill>
                 <a:schemeClr val="lt1"/>
               </a:solidFill>
